--- a/TIPE/Presentation_2014_2015.pptx
+++ b/TIPE/Presentation_2014_2015.pptx
@@ -5,10 +5,10 @@
     <p:sldMasterId id="2147483672" r:id="rId1"/>
   </p:sldMasterIdLst>
   <p:notesMasterIdLst>
-    <p:notesMasterId r:id="rId21"/>
+    <p:notesMasterId r:id="rId23"/>
   </p:notesMasterIdLst>
   <p:handoutMasterIdLst>
-    <p:handoutMasterId r:id="rId22"/>
+    <p:handoutMasterId r:id="rId24"/>
   </p:handoutMasterIdLst>
   <p:sldIdLst>
     <p:sldId id="256" r:id="rId2"/>
@@ -30,6 +30,8 @@
     <p:sldId id="272" r:id="rId18"/>
     <p:sldId id="273" r:id="rId19"/>
     <p:sldId id="274" r:id="rId20"/>
+    <p:sldId id="275" r:id="rId21"/>
+    <p:sldId id="276" r:id="rId22"/>
   </p:sldIdLst>
   <p:sldSz cx="9144000" cy="6858000" type="screen4x3"/>
   <p:notesSz cx="7099300" cy="10234613"/>
@@ -12666,8 +12668,29 @@
             <a:pPr lvl="1"/>
             <a:r>
               <a:rPr lang="fr-FR" dirty="0"/>
-              <a:t>Bilan …</a:t>
-            </a:r>
+              <a:t>Bilan </a:t>
+            </a:r>
+            <a:r>
+              <a:rPr lang="fr-FR" dirty="0" smtClean="0"/>
+              <a:t>…</a:t>
+            </a:r>
+          </a:p>
+          <a:p>
+            <a:pPr lvl="1"/>
+            <a:endParaRPr lang="fr-FR" dirty="0"/>
+          </a:p>
+          <a:p>
+            <a:r>
+              <a:rPr lang="fr-FR" dirty="0"/>
+              <a:t>Comment vérifier le cahier des charges d’une corde </a:t>
+            </a:r>
+            <a:r>
+              <a:rPr lang="fr-FR" dirty="0" smtClean="0"/>
+              <a:t>d’escalade ?</a:t>
+            </a:r>
+            <a:endParaRPr lang="fr-FR" dirty="0"/>
+          </a:p>
+          <a:p>
             <a:endParaRPr lang="fr-FR" dirty="0"/>
           </a:p>
         </p:txBody>
@@ -12787,15 +12810,7 @@
           <a:bodyPr/>
           <a:lstStyle/>
           <a:p>
-            <a:r>
-              <a:rPr lang="fr-FR" dirty="0" smtClean="0"/>
-              <a:t>Comment vérifier le cahier des charges d’une </a:t>
-            </a:r>
-            <a:r>
-              <a:rPr lang="fr-FR" smtClean="0"/>
-              <a:t>corde d’escalade</a:t>
-            </a:r>
-            <a:endParaRPr lang="fr-FR"/>
+            <a:endParaRPr lang="fr-FR" dirty="0"/>
           </a:p>
         </p:txBody>
       </p:sp>
@@ -13129,6 +13144,509 @@
     <p:extLst>
       <p:ext uri="{BB962C8B-B14F-4D97-AF65-F5344CB8AC3E}">
         <p14:creationId xmlns:p14="http://schemas.microsoft.com/office/powerpoint/2010/main" val="4080711060"/>
+      </p:ext>
+    </p:extLst>
+  </p:cSld>
+  <p:clrMapOvr>
+    <a:masterClrMapping/>
+  </p:clrMapOvr>
+</p:sld>
+</file>
+
+<file path=ppt/slides/slide20.xml><?xml version="1.0" encoding="utf-8"?>
+<p:sld xmlns:a="http://schemas.openxmlformats.org/drawingml/2006/main" xmlns:r="http://schemas.openxmlformats.org/officeDocument/2006/relationships" xmlns:p="http://schemas.openxmlformats.org/presentationml/2006/main">
+  <p:cSld>
+    <p:spTree>
+      <p:nvGrpSpPr>
+        <p:cNvPr id="1" name=""/>
+        <p:cNvGrpSpPr/>
+        <p:nvPr/>
+      </p:nvGrpSpPr>
+      <p:grpSpPr>
+        <a:xfrm>
+          <a:off x="0" y="0"/>
+          <a:ext cx="0" cy="0"/>
+          <a:chOff x="0" y="0"/>
+          <a:chExt cx="0" cy="0"/>
+        </a:xfrm>
+      </p:grpSpPr>
+      <p:pic>
+        <p:nvPicPr>
+          <p:cNvPr id="1026" name="Picture 2"/>
+          <p:cNvPicPr>
+            <a:picLocks noChangeAspect="1" noChangeArrowheads="1"/>
+          </p:cNvPicPr>
+          <p:nvPr/>
+        </p:nvPicPr>
+        <p:blipFill>
+          <a:blip r:embed="rId2">
+            <a:extLst>
+              <a:ext uri="{28A0092B-C50C-407E-A947-70E740481C1C}">
+                <a14:useLocalDpi xmlns:a14="http://schemas.microsoft.com/office/drawing/2010/main" val="0"/>
+              </a:ext>
+            </a:extLst>
+          </a:blip>
+          <a:srcRect/>
+          <a:stretch>
+            <a:fillRect/>
+          </a:stretch>
+        </p:blipFill>
+        <p:spPr bwMode="auto">
+          <a:xfrm>
+            <a:off x="406164" y="1268760"/>
+            <a:ext cx="8372319" cy="4362049"/>
+          </a:xfrm>
+          <a:prstGeom prst="rect">
+            <a:avLst/>
+          </a:prstGeom>
+          <a:noFill/>
+          <a:ln>
+            <a:noFill/>
+          </a:ln>
+          <a:effectLst/>
+          <a:extLst>
+            <a:ext uri="{909E8E84-426E-40DD-AFC4-6F175D3DCCD1}">
+              <a14:hiddenFill xmlns:a14="http://schemas.microsoft.com/office/drawing/2010/main">
+                <a:solidFill>
+                  <a:schemeClr val="accent1"/>
+                </a:solidFill>
+              </a14:hiddenFill>
+            </a:ext>
+            <a:ext uri="{91240B29-F687-4F45-9708-019B960494DF}">
+              <a14:hiddenLine xmlns:a14="http://schemas.microsoft.com/office/drawing/2010/main" w="9525">
+                <a:solidFill>
+                  <a:schemeClr val="tx1"/>
+                </a:solidFill>
+                <a:miter lim="800000"/>
+                <a:headEnd/>
+                <a:tailEnd/>
+              </a14:hiddenLine>
+            </a:ext>
+            <a:ext uri="{AF507438-7753-43E0-B8FC-AC1667EBCBE1}">
+              <a14:hiddenEffects xmlns:a14="http://schemas.microsoft.com/office/drawing/2010/main">
+                <a:effectLst>
+                  <a:outerShdw dist="35921" dir="2700000" algn="ctr" rotWithShape="0">
+                    <a:schemeClr val="bg2"/>
+                  </a:outerShdw>
+                </a:effectLst>
+              </a14:hiddenEffects>
+            </a:ext>
+          </a:extLst>
+        </p:spPr>
+      </p:pic>
+      <p:sp>
+        <p:nvSpPr>
+          <p:cNvPr id="2" name="Titre 1"/>
+          <p:cNvSpPr>
+            <a:spLocks noGrp="1"/>
+          </p:cNvSpPr>
+          <p:nvPr>
+            <p:ph type="title"/>
+          </p:nvPr>
+        </p:nvSpPr>
+        <p:spPr/>
+        <p:txBody>
+          <a:bodyPr/>
+          <a:lstStyle/>
+          <a:p>
+            <a:r>
+              <a:rPr lang="fr-FR" dirty="0" smtClean="0"/>
+              <a:t>Planning</a:t>
+            </a:r>
+            <a:endParaRPr lang="fr-FR" dirty="0"/>
+          </a:p>
+        </p:txBody>
+      </p:sp>
+      <p:sp>
+        <p:nvSpPr>
+          <p:cNvPr id="4" name="Espace réservé du numéro de diapositive 3"/>
+          <p:cNvSpPr>
+            <a:spLocks noGrp="1"/>
+          </p:cNvSpPr>
+          <p:nvPr>
+            <p:ph type="sldNum" sz="quarter" idx="15"/>
+          </p:nvPr>
+        </p:nvSpPr>
+        <p:spPr/>
+        <p:txBody>
+          <a:bodyPr/>
+          <a:lstStyle/>
+          <a:p>
+            <a:fld id="{CF4668DC-857F-487D-BFFA-8C0CA5037977}" type="slidenum">
+              <a:rPr lang="fr-BE" smtClean="0"/>
+              <a:pPr/>
+              <a:t>20</a:t>
+            </a:fld>
+            <a:endParaRPr lang="fr-BE"/>
+          </a:p>
+        </p:txBody>
+      </p:sp>
+      <p:sp>
+        <p:nvSpPr>
+          <p:cNvPr id="5" name="Espace réservé du pied de page 4"/>
+          <p:cNvSpPr>
+            <a:spLocks noGrp="1"/>
+          </p:cNvSpPr>
+          <p:nvPr>
+            <p:ph type="ftr" sz="quarter" idx="16"/>
+          </p:nvPr>
+        </p:nvSpPr>
+        <p:spPr/>
+        <p:txBody>
+          <a:bodyPr/>
+          <a:lstStyle/>
+          <a:p>
+            <a:r>
+              <a:rPr lang="fr-BE" smtClean="0"/>
+              <a:t>Xavier Pessoles - Frédéruc Bruot</a:t>
+            </a:r>
+            <a:endParaRPr lang="fr-BE"/>
+          </a:p>
+        </p:txBody>
+      </p:sp>
+      <p:sp>
+        <p:nvSpPr>
+          <p:cNvPr id="7" name="Rectangle 6"/>
+          <p:cNvSpPr/>
+          <p:nvPr/>
+        </p:nvSpPr>
+        <p:spPr>
+          <a:xfrm>
+            <a:off x="4499992" y="1268760"/>
+            <a:ext cx="1656183" cy="4362049"/>
+          </a:xfrm>
+          <a:prstGeom prst="rect">
+            <a:avLst/>
+          </a:prstGeom>
+          <a:solidFill>
+            <a:schemeClr val="accent5">
+              <a:alpha val="50000"/>
+            </a:schemeClr>
+          </a:solidFill>
+        </p:spPr>
+        <p:style>
+          <a:lnRef idx="1">
+            <a:schemeClr val="accent5"/>
+          </a:lnRef>
+          <a:fillRef idx="2">
+            <a:schemeClr val="accent5"/>
+          </a:fillRef>
+          <a:effectRef idx="1">
+            <a:schemeClr val="accent5"/>
+          </a:effectRef>
+          <a:fontRef idx="minor">
+            <a:schemeClr val="dk1"/>
+          </a:fontRef>
+        </p:style>
+        <p:txBody>
+          <a:bodyPr rtlCol="0" anchor="ctr"/>
+          <a:lstStyle/>
+          <a:p>
+            <a:pPr algn="ctr"/>
+            <a:r>
+              <a:rPr lang="fr-FR" sz="1200" dirty="0" smtClean="0"/>
+              <a:t>PERMUTATIONS POSSIBLES </a:t>
+            </a:r>
+          </a:p>
+          <a:p>
+            <a:pPr algn="ctr"/>
+            <a:endParaRPr lang="fr-FR" sz="1200" dirty="0"/>
+          </a:p>
+          <a:p>
+            <a:pPr algn="ctr"/>
+            <a:r>
+              <a:rPr lang="fr-FR" sz="1200" dirty="0" smtClean="0"/>
+              <a:t>SUIVANT </a:t>
+            </a:r>
+          </a:p>
+          <a:p>
+            <a:pPr algn="ctr"/>
+            <a:endParaRPr lang="fr-FR" sz="1200" dirty="0"/>
+          </a:p>
+          <a:p>
+            <a:pPr algn="ctr"/>
+            <a:r>
+              <a:rPr lang="fr-FR" sz="1200" dirty="0" smtClean="0"/>
+              <a:t>GROUPES</a:t>
+            </a:r>
+          </a:p>
+          <a:p>
+            <a:pPr algn="ctr"/>
+            <a:endParaRPr lang="fr-FR" dirty="0"/>
+          </a:p>
+        </p:txBody>
+      </p:sp>
+    </p:spTree>
+    <p:extLst>
+      <p:ext uri="{BB962C8B-B14F-4D97-AF65-F5344CB8AC3E}">
+        <p14:creationId xmlns:p14="http://schemas.microsoft.com/office/powerpoint/2010/main" val="2495891308"/>
+      </p:ext>
+    </p:extLst>
+  </p:cSld>
+  <p:clrMapOvr>
+    <a:masterClrMapping/>
+  </p:clrMapOvr>
+</p:sld>
+</file>
+
+<file path=ppt/slides/slide21.xml><?xml version="1.0" encoding="utf-8"?>
+<p:sld xmlns:a="http://schemas.openxmlformats.org/drawingml/2006/main" xmlns:r="http://schemas.openxmlformats.org/officeDocument/2006/relationships" xmlns:p="http://schemas.openxmlformats.org/presentationml/2006/main">
+  <p:cSld>
+    <p:spTree>
+      <p:nvGrpSpPr>
+        <p:cNvPr id="1" name=""/>
+        <p:cNvGrpSpPr/>
+        <p:nvPr/>
+      </p:nvGrpSpPr>
+      <p:grpSpPr>
+        <a:xfrm>
+          <a:off x="0" y="0"/>
+          <a:ext cx="0" cy="0"/>
+          <a:chOff x="0" y="0"/>
+          <a:chExt cx="0" cy="0"/>
+        </a:xfrm>
+      </p:grpSpPr>
+      <p:sp>
+        <p:nvSpPr>
+          <p:cNvPr id="2" name="Titre 1"/>
+          <p:cNvSpPr>
+            <a:spLocks noGrp="1"/>
+          </p:cNvSpPr>
+          <p:nvPr>
+            <p:ph type="title"/>
+          </p:nvPr>
+        </p:nvSpPr>
+        <p:spPr/>
+        <p:txBody>
+          <a:bodyPr/>
+          <a:lstStyle/>
+          <a:p>
+            <a:r>
+              <a:rPr lang="fr-FR" dirty="0" smtClean="0"/>
+              <a:t>Tipe 2014 – 2015 </a:t>
+            </a:r>
+            <a:endParaRPr lang="fr-FR" dirty="0"/>
+          </a:p>
+        </p:txBody>
+      </p:sp>
+      <p:sp>
+        <p:nvSpPr>
+          <p:cNvPr id="3" name="Espace réservé du contenu 2"/>
+          <p:cNvSpPr>
+            <a:spLocks noGrp="1"/>
+          </p:cNvSpPr>
+          <p:nvPr>
+            <p:ph sz="quarter" idx="1"/>
+          </p:nvPr>
+        </p:nvSpPr>
+        <p:spPr>
+          <a:xfrm>
+            <a:off x="457200" y="1196752"/>
+            <a:ext cx="7467600" cy="5400600"/>
+          </a:xfrm>
+        </p:spPr>
+        <p:txBody>
+          <a:bodyPr>
+            <a:normAutofit fontScale="85000" lnSpcReduction="10000"/>
+          </a:bodyPr>
+          <a:lstStyle/>
+          <a:p>
+            <a:r>
+              <a:rPr lang="fr-FR" dirty="0" smtClean="0"/>
+              <a:t>OBJECTIF général : </a:t>
+            </a:r>
+          </a:p>
+          <a:p>
+            <a:pPr lvl="1"/>
+            <a:r>
+              <a:rPr lang="fr-FR" dirty="0" smtClean="0"/>
+              <a:t>Trouver un support</a:t>
+            </a:r>
+          </a:p>
+          <a:p>
+            <a:pPr lvl="1"/>
+            <a:r>
+              <a:rPr lang="fr-FR" dirty="0" smtClean="0"/>
+              <a:t>Définir une problématique technologique ou scientifique</a:t>
+            </a:r>
+          </a:p>
+          <a:p>
+            <a:pPr lvl="1"/>
+            <a:r>
+              <a:rPr lang="fr-FR" dirty="0" smtClean="0"/>
+              <a:t>Réaliser une expérimentation avec une </a:t>
+            </a:r>
+            <a:r>
+              <a:rPr lang="fr-FR" b="1" dirty="0" smtClean="0"/>
+              <a:t>mesure traitée</a:t>
+            </a:r>
+            <a:r>
+              <a:rPr lang="fr-FR" dirty="0" smtClean="0"/>
+              <a:t>.</a:t>
+            </a:r>
+          </a:p>
+          <a:p>
+            <a:pPr lvl="2"/>
+            <a:r>
+              <a:rPr lang="fr-FR" b="1" dirty="0" smtClean="0"/>
+              <a:t>Un travail sans mesure traitée sera un travail qui n’aura pas la moyenne. </a:t>
+            </a:r>
+          </a:p>
+          <a:p>
+            <a:r>
+              <a:rPr lang="fr-FR" dirty="0" smtClean="0"/>
+              <a:t>Travail en autonomie à réaliser :</a:t>
+            </a:r>
+          </a:p>
+          <a:p>
+            <a:pPr lvl="1"/>
+            <a:r>
+              <a:rPr lang="fr-FR" dirty="0" smtClean="0"/>
+              <a:t>Quand ?</a:t>
+            </a:r>
+          </a:p>
+          <a:p>
+            <a:pPr lvl="2"/>
+            <a:r>
+              <a:rPr lang="fr-FR" dirty="0"/>
+              <a:t>L</a:t>
+            </a:r>
+            <a:r>
+              <a:rPr lang="fr-FR" dirty="0" smtClean="0"/>
+              <a:t>es 05/02/2014, 12/02/2014, 19/02/2014</a:t>
+            </a:r>
+          </a:p>
+          <a:p>
+            <a:pPr lvl="1"/>
+            <a:r>
+              <a:rPr lang="fr-FR" dirty="0" smtClean="0"/>
+              <a:t>Quoi ?</a:t>
+            </a:r>
+          </a:p>
+          <a:p>
+            <a:pPr lvl="2"/>
+            <a:r>
+              <a:rPr lang="fr-FR" dirty="0" smtClean="0"/>
+              <a:t>Réaliser une fiche A4 Recto – Verso permettant de réaliser une acquisition</a:t>
+            </a:r>
+          </a:p>
+          <a:p>
+            <a:pPr lvl="2"/>
+            <a:r>
+              <a:rPr lang="fr-FR" dirty="0" smtClean="0"/>
+              <a:t>Présentation de 5 minutes devant la classe</a:t>
+            </a:r>
+          </a:p>
+          <a:p>
+            <a:pPr lvl="1"/>
+            <a:r>
+              <a:rPr lang="fr-FR" dirty="0" smtClean="0"/>
+              <a:t>Comment ?</a:t>
+            </a:r>
+          </a:p>
+          <a:p>
+            <a:pPr lvl="2"/>
+            <a:r>
+              <a:rPr lang="fr-FR" dirty="0" smtClean="0"/>
+              <a:t>Travaux par groupe de 5 à 6 étudiants </a:t>
+            </a:r>
+          </a:p>
+          <a:p>
+            <a:pPr lvl="1"/>
+            <a:r>
+              <a:rPr lang="fr-FR" dirty="0" smtClean="0"/>
+              <a:t>Contenu : </a:t>
+            </a:r>
+          </a:p>
+          <a:p>
+            <a:pPr lvl="2"/>
+            <a:r>
+              <a:rPr lang="fr-FR" dirty="0" smtClean="0"/>
+              <a:t>Comment réaliser une mesure et récupérer le fichier points grâce à une carte </a:t>
+            </a:r>
+            <a:r>
+              <a:rPr lang="fr-FR" dirty="0" err="1" smtClean="0"/>
+              <a:t>Arduino</a:t>
+            </a:r>
+            <a:r>
+              <a:rPr lang="fr-FR" dirty="0" smtClean="0"/>
+              <a:t> ?</a:t>
+            </a:r>
+          </a:p>
+          <a:p>
+            <a:pPr lvl="2"/>
+            <a:r>
+              <a:rPr lang="fr-FR" dirty="0" smtClean="0"/>
+              <a:t>Comment réaliser une mesure grâce à un oscilloscope numérique ?</a:t>
+            </a:r>
+          </a:p>
+          <a:p>
+            <a:pPr lvl="2"/>
+            <a:r>
+              <a:rPr lang="fr-FR" dirty="0" smtClean="0"/>
+              <a:t>Comment réaliser une mesure grâce à une camera (téléphone) + traitement ?</a:t>
+            </a:r>
+          </a:p>
+          <a:p>
+            <a:pPr lvl="2"/>
+            <a:r>
+              <a:rPr lang="fr-FR" dirty="0" smtClean="0"/>
+              <a:t>Autres idées de votre choix</a:t>
+            </a:r>
+          </a:p>
+        </p:txBody>
+      </p:sp>
+      <p:sp>
+        <p:nvSpPr>
+          <p:cNvPr id="4" name="Espace réservé du numéro de diapositive 3"/>
+          <p:cNvSpPr>
+            <a:spLocks noGrp="1"/>
+          </p:cNvSpPr>
+          <p:nvPr>
+            <p:ph type="sldNum" sz="quarter" idx="15"/>
+          </p:nvPr>
+        </p:nvSpPr>
+        <p:spPr/>
+        <p:txBody>
+          <a:bodyPr/>
+          <a:lstStyle/>
+          <a:p>
+            <a:fld id="{CF4668DC-857F-487D-BFFA-8C0CA5037977}" type="slidenum">
+              <a:rPr lang="fr-BE" smtClean="0"/>
+              <a:pPr/>
+              <a:t>21</a:t>
+            </a:fld>
+            <a:endParaRPr lang="fr-BE"/>
+          </a:p>
+        </p:txBody>
+      </p:sp>
+      <p:sp>
+        <p:nvSpPr>
+          <p:cNvPr id="5" name="Espace réservé du pied de page 4"/>
+          <p:cNvSpPr>
+            <a:spLocks noGrp="1"/>
+          </p:cNvSpPr>
+          <p:nvPr>
+            <p:ph type="ftr" sz="quarter" idx="16"/>
+          </p:nvPr>
+        </p:nvSpPr>
+        <p:spPr/>
+        <p:txBody>
+          <a:bodyPr/>
+          <a:lstStyle/>
+          <a:p>
+            <a:r>
+              <a:rPr lang="fr-BE" smtClean="0"/>
+              <a:t>Xavier Pessoles - Frédéruc Bruot</a:t>
+            </a:r>
+            <a:endParaRPr lang="fr-BE"/>
+          </a:p>
+        </p:txBody>
+      </p:sp>
+    </p:spTree>
+    <p:extLst>
+      <p:ext uri="{BB962C8B-B14F-4D97-AF65-F5344CB8AC3E}">
+        <p14:creationId xmlns:p14="http://schemas.microsoft.com/office/powerpoint/2010/main" val="4191611815"/>
       </p:ext>
     </p:extLst>
   </p:cSld>
